--- a/lectures/week8/lecture2/slides/week8_lecture2.pptx
+++ b/lectures/week8/lecture2/slides/week8_lecture2.pptx
@@ -18,9 +18,10 @@
     <p:sldId id="333" r:id="rId12"/>
     <p:sldId id="334" r:id="rId13"/>
     <p:sldId id="353" r:id="rId14"/>
-    <p:sldId id="354" r:id="rId15"/>
-    <p:sldId id="324" r:id="rId16"/>
-    <p:sldId id="325" r:id="rId17"/>
+    <p:sldId id="355" r:id="rId15"/>
+    <p:sldId id="354" r:id="rId16"/>
+    <p:sldId id="324" r:id="rId17"/>
+    <p:sldId id="325" r:id="rId18"/>
   </p:sldIdLst>
   <p:sldSz cx="12192000" cy="6858000"/>
   <p:notesSz cx="6858000" cy="9144000"/>
@@ -3453,7 +3454,7 @@
                   <a:schemeClr val="accent6"/>
                 </a:solidFill>
               </a:rPr>
-              <a:t>7. </a:t>
+              <a:t>7. Inverting </a:t>
             </a:r>
             <a:r>
               <a:rPr lang="en-US" sz="2600" b="1" dirty="0">
@@ -3461,7 +3462,504 @@
                   <a:schemeClr val="accent6"/>
                 </a:solidFill>
               </a:rPr>
+              <a:t>Dictionaries</a:t>
+            </a:r>
+          </a:p>
+        </p:txBody>
+      </p:sp>
+    </p:spTree>
+    <p:extLst>
+      <p:ext uri="{BB962C8B-B14F-4D97-AF65-F5344CB8AC3E}">
+        <p14:creationId xmlns:p14="http://schemas.microsoft.com/office/powerpoint/2010/main" val="2685583888"/>
+      </p:ext>
+    </p:extLst>
+  </p:cSld>
+  <p:clrMapOvr>
+    <a:masterClrMapping/>
+  </p:clrMapOvr>
+</p:sld>
+</file>
+
+<file path=ppt/slides/slide15.xml><?xml version="1.0" encoding="utf-8"?>
+<p:sld xmlns:a="http://schemas.openxmlformats.org/drawingml/2006/main" xmlns:r="http://schemas.openxmlformats.org/officeDocument/2006/relationships" xmlns:p="http://schemas.openxmlformats.org/presentationml/2006/main">
+  <p:cSld>
+    <p:spTree>
+      <p:nvGrpSpPr>
+        <p:cNvPr id="1" name=""/>
+        <p:cNvGrpSpPr/>
+        <p:nvPr/>
+      </p:nvGrpSpPr>
+      <p:grpSpPr>
+        <a:xfrm>
+          <a:off x="0" y="0"/>
+          <a:ext cx="0" cy="0"/>
+          <a:chOff x="0" y="0"/>
+          <a:chExt cx="0" cy="0"/>
+        </a:xfrm>
+      </p:grpSpPr>
+      <p:sp>
+        <p:nvSpPr>
+          <p:cNvPr id="2" name="Title 1">
+            <a:extLst>
+              <a:ext uri="{FF2B5EF4-FFF2-40B4-BE49-F238E27FC236}">
+                <a16:creationId xmlns:a16="http://schemas.microsoft.com/office/drawing/2014/main" id="{652F7D6B-541C-451B-B9D0-1DC0ED94E9D8}"/>
+              </a:ext>
+            </a:extLst>
+          </p:cNvPr>
+          <p:cNvSpPr>
+            <a:spLocks noGrp="1"/>
+          </p:cNvSpPr>
+          <p:nvPr>
+            <p:ph type="title"/>
+          </p:nvPr>
+        </p:nvSpPr>
+        <p:spPr/>
+        <p:txBody>
+          <a:bodyPr>
+            <a:normAutofit fontScale="90000"/>
+          </a:bodyPr>
+          <a:lstStyle/>
+          <a:p>
+            <a:r>
+              <a:rPr lang="en-US" b="1" dirty="0"/>
+              <a:t>Inverting Dictionaries</a:t>
+            </a:r>
+          </a:p>
+        </p:txBody>
+      </p:sp>
+      <p:sp>
+        <p:nvSpPr>
+          <p:cNvPr id="3" name="Content Placeholder 2">
+            <a:extLst>
+              <a:ext uri="{FF2B5EF4-FFF2-40B4-BE49-F238E27FC236}">
+                <a16:creationId xmlns:a16="http://schemas.microsoft.com/office/drawing/2014/main" id="{8E2EB69C-115A-48B0-BDC7-1601B73EC3C8}"/>
+              </a:ext>
+            </a:extLst>
+          </p:cNvPr>
+          <p:cNvSpPr>
+            <a:spLocks noGrp="1"/>
+          </p:cNvSpPr>
+          <p:nvPr>
+            <p:ph idx="1"/>
+          </p:nvPr>
+        </p:nvSpPr>
+        <p:spPr>
+          <a:xfrm>
+            <a:off x="838200" y="1825624"/>
+            <a:ext cx="6833260" cy="4835479"/>
+          </a:xfrm>
+        </p:spPr>
+        <p:txBody>
+          <a:bodyPr>
+            <a:normAutofit/>
+          </a:bodyPr>
+          <a:lstStyle/>
+          <a:p>
+            <a:r>
+              <a:rPr lang="en-US" dirty="0"/>
+              <a:t>Reversing a dictionary is not the same as reversing a list</a:t>
+            </a:r>
+            <a:r>
+              <a:rPr lang="en-US" dirty="0">
+                <a:solidFill>
+                  <a:schemeClr val="accent6"/>
+                </a:solidFill>
+              </a:rPr>
+              <a:t>;</a:t>
+            </a:r>
+            <a:r>
+              <a:rPr lang="en-US" dirty="0"/>
+              <a:t> it entails inverting or switching the dictionary</a:t>
+            </a:r>
+            <a:r>
+              <a:rPr lang="en-US" dirty="0">
+                <a:solidFill>
+                  <a:schemeClr val="accent6"/>
+                </a:solidFill>
+              </a:rPr>
+              <a:t>'</a:t>
+            </a:r>
+            <a:r>
+              <a:rPr lang="en-US" dirty="0"/>
+              <a:t>s key and value parts</a:t>
+            </a:r>
+            <a:r>
+              <a:rPr lang="en-US" dirty="0">
+                <a:solidFill>
+                  <a:schemeClr val="accent3"/>
+                </a:solidFill>
+              </a:rPr>
+              <a:t>.</a:t>
+            </a:r>
+          </a:p>
+          <a:p>
+            <a:endParaRPr lang="en-US" dirty="0">
+              <a:solidFill>
+                <a:schemeClr val="accent2"/>
+              </a:solidFill>
+            </a:endParaRPr>
+          </a:p>
+        </p:txBody>
+      </p:sp>
+      <p:sp>
+        <p:nvSpPr>
+          <p:cNvPr id="14" name="Rectangle: Rounded Corners 13">
+            <a:extLst>
+              <a:ext uri="{FF2B5EF4-FFF2-40B4-BE49-F238E27FC236}">
+                <a16:creationId xmlns:a16="http://schemas.microsoft.com/office/drawing/2014/main" id="{3D9742AC-7725-4D27-A3FA-9EBEF1276E01}"/>
+              </a:ext>
+            </a:extLst>
+          </p:cNvPr>
+          <p:cNvSpPr/>
+          <p:nvPr/>
+        </p:nvSpPr>
+        <p:spPr>
+          <a:xfrm>
+            <a:off x="7844590" y="1949006"/>
+            <a:ext cx="3958389" cy="4418765"/>
+          </a:xfrm>
+          <a:prstGeom prst="roundRect">
+            <a:avLst/>
+          </a:prstGeom>
+          <a:noFill/>
+          <a:ln w="76200">
+            <a:solidFill>
+              <a:schemeClr val="accent2"/>
+            </a:solidFill>
+          </a:ln>
+        </p:spPr>
+        <p:style>
+          <a:lnRef idx="2">
+            <a:schemeClr val="accent1">
+              <a:shade val="50000"/>
+            </a:schemeClr>
+          </a:lnRef>
+          <a:fillRef idx="1">
+            <a:schemeClr val="accent1"/>
+          </a:fillRef>
+          <a:effectRef idx="0">
+            <a:schemeClr val="accent1"/>
+          </a:effectRef>
+          <a:fontRef idx="minor">
+            <a:schemeClr val="lt1"/>
+          </a:fontRef>
+        </p:style>
+        <p:txBody>
+          <a:bodyPr rtlCol="0" anchor="ctr"/>
+          <a:lstStyle/>
+          <a:p>
+            <a:r>
+              <a:rPr lang="en-US" sz="4400" b="1" dirty="0">
+                <a:solidFill>
+                  <a:srgbClr val="FFFFFF"/>
+                </a:solidFill>
+              </a:rPr>
+              <a:t>Open your notebook</a:t>
+            </a:r>
+          </a:p>
+          <a:p>
+            <a:endParaRPr lang="en-US" sz="4400" b="1" dirty="0">
+              <a:solidFill>
+                <a:srgbClr val="FFFFFF"/>
+              </a:solidFill>
+            </a:endParaRPr>
+          </a:p>
+          <a:p>
+            <a:r>
+              <a:rPr lang="en-US" sz="2800" b="1" dirty="0">
+                <a:solidFill>
+                  <a:srgbClr val="FFFFFF"/>
+                </a:solidFill>
+              </a:rPr>
+              <a:t>Click Link</a:t>
+            </a:r>
+            <a:r>
+              <a:rPr lang="en-US" sz="2800" b="1" dirty="0">
+                <a:solidFill>
+                  <a:schemeClr val="accent6"/>
+                </a:solidFill>
+              </a:rPr>
+              <a:t>:</a:t>
+            </a:r>
+          </a:p>
+          <a:p>
+            <a:r>
+              <a:rPr lang="en-US" sz="2800" b="1" dirty="0">
+                <a:solidFill>
+                  <a:schemeClr val="accent6"/>
+                </a:solidFill>
+              </a:rPr>
+              <a:t>8. </a:t>
+            </a:r>
+            <a:r>
+              <a:rPr lang="en-US" sz="2600" b="1" dirty="0">
+                <a:solidFill>
+                  <a:schemeClr val="accent6"/>
+                </a:solidFill>
+              </a:rPr>
               <a:t>Dictionaries as Data Structures</a:t>
+            </a:r>
+          </a:p>
+        </p:txBody>
+      </p:sp>
+      <p:sp>
+        <p:nvSpPr>
+          <p:cNvPr id="4" name="TextBox 3">
+            <a:extLst>
+              <a:ext uri="{FF2B5EF4-FFF2-40B4-BE49-F238E27FC236}">
+                <a16:creationId xmlns:a16="http://schemas.microsoft.com/office/drawing/2014/main" id="{9608865C-9D3B-22F5-CA35-01C11BFBF99D}"/>
+              </a:ext>
+            </a:extLst>
+          </p:cNvPr>
+          <p:cNvSpPr txBox="1"/>
+          <p:nvPr/>
+        </p:nvSpPr>
+        <p:spPr>
+          <a:xfrm>
+            <a:off x="334706" y="4160517"/>
+            <a:ext cx="7181072" cy="1200329"/>
+          </a:xfrm>
+          <a:prstGeom prst="rect">
+            <a:avLst/>
+          </a:prstGeom>
+          <a:noFill/>
+        </p:spPr>
+        <p:txBody>
+          <a:bodyPr wrap="square" rtlCol="0">
+            <a:spAutoFit/>
+          </a:bodyPr>
+          <a:lstStyle/>
+          <a:p>
+            <a:r>
+              <a:rPr lang="en-US" sz="2400" b="1" dirty="0">
+                <a:solidFill>
+                  <a:srgbClr val="00FF00"/>
+                </a:solidFill>
+                <a:latin typeface="Courier New" panose="02070309020205020404" pitchFamily="49" charset="0"/>
+                <a:cs typeface="Courier New" panose="02070309020205020404" pitchFamily="49" charset="0"/>
+              </a:rPr>
+              <a:t>eng2spa = </a:t>
+            </a:r>
+            <a:r>
+              <a:rPr lang="en-US" sz="2400" b="1" dirty="0">
+                <a:solidFill>
+                  <a:schemeClr val="accent6"/>
+                </a:solidFill>
+                <a:latin typeface="Courier New" panose="02070309020205020404" pitchFamily="49" charset="0"/>
+                <a:cs typeface="Courier New" panose="02070309020205020404" pitchFamily="49" charset="0"/>
+              </a:rPr>
+              <a:t>{</a:t>
+            </a:r>
+            <a:r>
+              <a:rPr lang="en-US" sz="2400" b="1" dirty="0">
+                <a:solidFill>
+                  <a:srgbClr val="E00BE5"/>
+                </a:solidFill>
+                <a:latin typeface="Courier New" panose="02070309020205020404" pitchFamily="49" charset="0"/>
+                <a:cs typeface="Courier New" panose="02070309020205020404" pitchFamily="49" charset="0"/>
+              </a:rPr>
+              <a:t>"two"</a:t>
+            </a:r>
+            <a:r>
+              <a:rPr lang="en-US" sz="2400" b="1" dirty="0">
+                <a:solidFill>
+                  <a:schemeClr val="accent6"/>
+                </a:solidFill>
+                <a:latin typeface="Courier New" panose="02070309020205020404" pitchFamily="49" charset="0"/>
+                <a:cs typeface="Courier New" panose="02070309020205020404" pitchFamily="49" charset="0"/>
+              </a:rPr>
+              <a:t>:</a:t>
+            </a:r>
+            <a:r>
+              <a:rPr lang="en-US" sz="2400" b="1" dirty="0">
+                <a:solidFill>
+                  <a:srgbClr val="00FF00"/>
+                </a:solidFill>
+                <a:latin typeface="Courier New" panose="02070309020205020404" pitchFamily="49" charset="0"/>
+                <a:cs typeface="Courier New" panose="02070309020205020404" pitchFamily="49" charset="0"/>
+              </a:rPr>
+              <a:t> "dos"</a:t>
+            </a:r>
+            <a:r>
+              <a:rPr lang="en-US" sz="2400" b="1" dirty="0">
+                <a:solidFill>
+                  <a:schemeClr val="accent6"/>
+                </a:solidFill>
+                <a:latin typeface="Courier New" panose="02070309020205020404" pitchFamily="49" charset="0"/>
+                <a:cs typeface="Courier New" panose="02070309020205020404" pitchFamily="49" charset="0"/>
+              </a:rPr>
+              <a:t>,</a:t>
+            </a:r>
+            <a:r>
+              <a:rPr lang="en-US" sz="2400" b="1" dirty="0">
+                <a:solidFill>
+                  <a:srgbClr val="00FF00"/>
+                </a:solidFill>
+                <a:latin typeface="Courier New" panose="02070309020205020404" pitchFamily="49" charset="0"/>
+                <a:cs typeface="Courier New" panose="02070309020205020404" pitchFamily="49" charset="0"/>
+              </a:rPr>
+              <a:t> </a:t>
+            </a:r>
+            <a:r>
+              <a:rPr lang="en-US" sz="2400" b="1" dirty="0">
+                <a:solidFill>
+                  <a:srgbClr val="E00BE5"/>
+                </a:solidFill>
+                <a:latin typeface="Courier New" panose="02070309020205020404" pitchFamily="49" charset="0"/>
+                <a:cs typeface="Courier New" panose="02070309020205020404" pitchFamily="49" charset="0"/>
+              </a:rPr>
+              <a:t>"one"</a:t>
+            </a:r>
+            <a:r>
+              <a:rPr lang="en-US" sz="2400" b="1" dirty="0">
+                <a:solidFill>
+                  <a:schemeClr val="accent6"/>
+                </a:solidFill>
+                <a:latin typeface="Courier New" panose="02070309020205020404" pitchFamily="49" charset="0"/>
+                <a:cs typeface="Courier New" panose="02070309020205020404" pitchFamily="49" charset="0"/>
+              </a:rPr>
+              <a:t>:</a:t>
+            </a:r>
+            <a:r>
+              <a:rPr lang="en-US" sz="2400" b="1" dirty="0">
+                <a:solidFill>
+                  <a:srgbClr val="00FF00"/>
+                </a:solidFill>
+                <a:latin typeface="Courier New" panose="02070309020205020404" pitchFamily="49" charset="0"/>
+                <a:cs typeface="Courier New" panose="02070309020205020404" pitchFamily="49" charset="0"/>
+              </a:rPr>
+              <a:t> "uno"</a:t>
+            </a:r>
+            <a:r>
+              <a:rPr lang="en-US" sz="2400" b="1" dirty="0">
+                <a:solidFill>
+                  <a:schemeClr val="accent6"/>
+                </a:solidFill>
+                <a:latin typeface="Courier New" panose="02070309020205020404" pitchFamily="49" charset="0"/>
+                <a:cs typeface="Courier New" panose="02070309020205020404" pitchFamily="49" charset="0"/>
+              </a:rPr>
+              <a:t>}</a:t>
+            </a:r>
+          </a:p>
+          <a:p>
+            <a:endParaRPr lang="en-US" sz="2400" b="1" dirty="0">
+              <a:solidFill>
+                <a:srgbClr val="00FF00"/>
+              </a:solidFill>
+              <a:latin typeface="Courier New" panose="02070309020205020404" pitchFamily="49" charset="0"/>
+              <a:cs typeface="Courier New" panose="02070309020205020404" pitchFamily="49" charset="0"/>
+            </a:endParaRPr>
+          </a:p>
+          <a:p>
+            <a:r>
+              <a:rPr lang="en-US" sz="2400" b="1" dirty="0">
+                <a:solidFill>
+                  <a:srgbClr val="00FF00"/>
+                </a:solidFill>
+                <a:latin typeface="Courier New" panose="02070309020205020404" pitchFamily="49" charset="0"/>
+                <a:cs typeface="Courier New" panose="02070309020205020404" pitchFamily="49" charset="0"/>
+              </a:rPr>
+              <a:t>spa2eng = </a:t>
+            </a:r>
+            <a:r>
+              <a:rPr lang="en-US" sz="2400" b="1" dirty="0">
+                <a:solidFill>
+                  <a:schemeClr val="accent6"/>
+                </a:solidFill>
+                <a:latin typeface="Courier New" panose="02070309020205020404" pitchFamily="49" charset="0"/>
+                <a:cs typeface="Courier New" panose="02070309020205020404" pitchFamily="49" charset="0"/>
+              </a:rPr>
+              <a:t>{</a:t>
+            </a:r>
+            <a:r>
+              <a:rPr lang="en-US" sz="2400" b="1" dirty="0">
+                <a:solidFill>
+                  <a:srgbClr val="E00BE5"/>
+                </a:solidFill>
+                <a:latin typeface="Courier New" panose="02070309020205020404" pitchFamily="49" charset="0"/>
+                <a:cs typeface="Courier New" panose="02070309020205020404" pitchFamily="49" charset="0"/>
+              </a:rPr>
+              <a:t>"dos"</a:t>
+            </a:r>
+            <a:r>
+              <a:rPr lang="en-US" sz="2400" b="1" dirty="0">
+                <a:solidFill>
+                  <a:schemeClr val="accent6"/>
+                </a:solidFill>
+                <a:latin typeface="Courier New" panose="02070309020205020404" pitchFamily="49" charset="0"/>
+                <a:cs typeface="Courier New" panose="02070309020205020404" pitchFamily="49" charset="0"/>
+              </a:rPr>
+              <a:t>:</a:t>
+            </a:r>
+            <a:r>
+              <a:rPr lang="en-US" sz="2400" b="1" dirty="0">
+                <a:solidFill>
+                  <a:srgbClr val="00FF00"/>
+                </a:solidFill>
+                <a:latin typeface="Courier New" panose="02070309020205020404" pitchFamily="49" charset="0"/>
+                <a:cs typeface="Courier New" panose="02070309020205020404" pitchFamily="49" charset="0"/>
+              </a:rPr>
+              <a:t> "two"</a:t>
+            </a:r>
+            <a:r>
+              <a:rPr lang="en-US" sz="2400" b="1" dirty="0">
+                <a:solidFill>
+                  <a:schemeClr val="accent6"/>
+                </a:solidFill>
+                <a:latin typeface="Courier New" panose="02070309020205020404" pitchFamily="49" charset="0"/>
+                <a:cs typeface="Courier New" panose="02070309020205020404" pitchFamily="49" charset="0"/>
+              </a:rPr>
+              <a:t>,</a:t>
+            </a:r>
+            <a:r>
+              <a:rPr lang="en-US" sz="2400" b="1" dirty="0">
+                <a:solidFill>
+                  <a:srgbClr val="00FF00"/>
+                </a:solidFill>
+                <a:latin typeface="Courier New" panose="02070309020205020404" pitchFamily="49" charset="0"/>
+                <a:cs typeface="Courier New" panose="02070309020205020404" pitchFamily="49" charset="0"/>
+              </a:rPr>
+              <a:t> </a:t>
+            </a:r>
+            <a:r>
+              <a:rPr lang="en-US" sz="2400" b="1" dirty="0">
+                <a:solidFill>
+                  <a:srgbClr val="E00BE5"/>
+                </a:solidFill>
+                <a:latin typeface="Courier New" panose="02070309020205020404" pitchFamily="49" charset="0"/>
+                <a:cs typeface="Courier New" panose="02070309020205020404" pitchFamily="49" charset="0"/>
+              </a:rPr>
+              <a:t>"uno"</a:t>
+            </a:r>
+            <a:r>
+              <a:rPr lang="en-US" sz="2400" b="1" dirty="0">
+                <a:solidFill>
+                  <a:schemeClr val="accent6"/>
+                </a:solidFill>
+                <a:latin typeface="Courier New" panose="02070309020205020404" pitchFamily="49" charset="0"/>
+                <a:cs typeface="Courier New" panose="02070309020205020404" pitchFamily="49" charset="0"/>
+              </a:rPr>
+              <a:t>:</a:t>
+            </a:r>
+            <a:r>
+              <a:rPr lang="en-US" sz="2400" b="1" dirty="0">
+                <a:solidFill>
+                  <a:srgbClr val="00FF00"/>
+                </a:solidFill>
+                <a:latin typeface="Courier New" panose="02070309020205020404" pitchFamily="49" charset="0"/>
+                <a:cs typeface="Courier New" panose="02070309020205020404" pitchFamily="49" charset="0"/>
+              </a:rPr>
+              <a:t> "one"</a:t>
+            </a:r>
+            <a:r>
+              <a:rPr lang="en-US" sz="2400" b="1" dirty="0">
+                <a:solidFill>
+                  <a:schemeClr val="accent6"/>
+                </a:solidFill>
+                <a:latin typeface="Courier New" panose="02070309020205020404" pitchFamily="49" charset="0"/>
+                <a:cs typeface="Courier New" panose="02070309020205020404" pitchFamily="49" charset="0"/>
+              </a:rPr>
+              <a:t>}</a:t>
             </a:r>
           </a:p>
         </p:txBody>
@@ -3479,7 +3977,7 @@
 </p:sld>
 </file>
 
-<file path=ppt/slides/slide15.xml><?xml version="1.0" encoding="utf-8"?>
+<file path=ppt/slides/slide16.xml><?xml version="1.0" encoding="utf-8"?>
 <p:sld xmlns:a="http://schemas.openxmlformats.org/drawingml/2006/main" xmlns:r="http://schemas.openxmlformats.org/officeDocument/2006/relationships" xmlns:p="http://schemas.openxmlformats.org/presentationml/2006/main">
   <p:cSld>
     <p:spTree>
@@ -3751,7 +4249,7 @@
 </p:sld>
 </file>
 
-<file path=ppt/slides/slide16.xml><?xml version="1.0" encoding="utf-8"?>
+<file path=ppt/slides/slide17.xml><?xml version="1.0" encoding="utf-8"?>
 <p:sld xmlns:a="http://schemas.openxmlformats.org/drawingml/2006/main" xmlns:r="http://schemas.openxmlformats.org/officeDocument/2006/relationships" xmlns:p="http://schemas.openxmlformats.org/presentationml/2006/main">
   <p:cSld>
     <p:spTree>
@@ -6291,7 +6789,7 @@
         </p:spPr>
         <p:txBody>
           <a:bodyPr>
-            <a:normAutofit fontScale="85000" lnSpcReduction="20000"/>
+            <a:normAutofit fontScale="77500" lnSpcReduction="20000"/>
           </a:bodyPr>
           <a:lstStyle/>
           <a:p>
@@ -6400,6 +6898,15 @@
               </a:rPr>
               <a:t>.</a:t>
             </a:r>
+          </a:p>
+          <a:p>
+            <a:pPr lvl="1"/>
+            <a:endParaRPr lang="en-US" dirty="0">
+              <a:solidFill>
+                <a:schemeClr val="accent2"/>
+              </a:solidFill>
+              <a:cs typeface="Courier New" panose="02070309020205020404" pitchFamily="49" charset="0"/>
+            </a:endParaRPr>
           </a:p>
           <a:p>
             <a:r>
@@ -6629,7 +7136,7 @@
         </p:nvSpPr>
         <p:spPr>
           <a:xfrm>
-            <a:off x="7496278" y="2490644"/>
+            <a:off x="7496278" y="2521643"/>
             <a:ext cx="4260288" cy="707886"/>
           </a:xfrm>
           <a:prstGeom prst="rect">
@@ -6692,7 +7199,7 @@
         </p:nvSpPr>
         <p:spPr>
           <a:xfrm>
-            <a:off x="7496278" y="3417126"/>
+            <a:off x="7496278" y="3533361"/>
             <a:ext cx="4695722" cy="1015663"/>
           </a:xfrm>
           <a:prstGeom prst="rect">
@@ -6797,7 +7304,7 @@
         </p:nvSpPr>
         <p:spPr>
           <a:xfrm>
-            <a:off x="7496278" y="4548295"/>
+            <a:off x="7496278" y="4664530"/>
             <a:ext cx="4260288" cy="1323439"/>
           </a:xfrm>
           <a:prstGeom prst="rect">
@@ -6891,7 +7398,7 @@
         </p:nvSpPr>
         <p:spPr>
           <a:xfrm>
-            <a:off x="7496278" y="5641110"/>
+            <a:off x="7496278" y="5687604"/>
             <a:ext cx="4260288" cy="1015663"/>
           </a:xfrm>
           <a:prstGeom prst="rect">
@@ -7129,7 +7636,7 @@
         </p:spPr>
         <p:txBody>
           <a:bodyPr>
-            <a:normAutofit fontScale="85000" lnSpcReduction="20000"/>
+            <a:normAutofit fontScale="77500" lnSpcReduction="20000"/>
           </a:bodyPr>
           <a:lstStyle/>
           <a:p>
@@ -7238,6 +7745,15 @@
               </a:rPr>
               <a:t>.</a:t>
             </a:r>
+          </a:p>
+          <a:p>
+            <a:pPr lvl="1"/>
+            <a:endParaRPr lang="en-US" dirty="0">
+              <a:solidFill>
+                <a:schemeClr val="accent2"/>
+              </a:solidFill>
+              <a:cs typeface="Courier New" panose="02070309020205020404" pitchFamily="49" charset="0"/>
+            </a:endParaRPr>
           </a:p>
           <a:p>
             <a:r>

--- a/lectures/week8/lecture2/slides/week8_lecture2.pptx
+++ b/lectures/week8/lecture2/slides/week8_lecture2.pptx
@@ -18,8 +18,8 @@
     <p:sldId id="333" r:id="rId12"/>
     <p:sldId id="334" r:id="rId13"/>
     <p:sldId id="353" r:id="rId14"/>
-    <p:sldId id="355" r:id="rId15"/>
-    <p:sldId id="354" r:id="rId16"/>
+    <p:sldId id="354" r:id="rId15"/>
+    <p:sldId id="355" r:id="rId16"/>
     <p:sldId id="324" r:id="rId17"/>
     <p:sldId id="325" r:id="rId18"/>
   </p:sldIdLst>
@@ -3229,19 +3229,7 @@
           <a:p>
             <a:r>
               <a:rPr lang="en-US" b="1" dirty="0"/>
-              <a:t>Dictionaries </a:t>
-            </a:r>
-            <a:r>
-              <a:rPr lang="en-US" b="1" dirty="0">
-                <a:solidFill>
-                  <a:schemeClr val="accent3"/>
-                </a:solidFill>
-              </a:rPr>
-              <a:t>as</a:t>
-            </a:r>
-            <a:r>
-              <a:rPr lang="en-US" b="1" dirty="0"/>
-              <a:t> Data Structures</a:t>
+              <a:t>Inverting Dictionaries</a:t>
             </a:r>
           </a:p>
         </p:txBody>
@@ -3276,77 +3264,31 @@
           <a:p>
             <a:r>
               <a:rPr lang="en-US" dirty="0"/>
-              <a:t>Nested dictionaries also serve as a simple but powerful data structure</a:t>
-            </a:r>
-            <a:r>
-              <a:rPr lang="en-US" dirty="0">
-                <a:solidFill>
-                  <a:schemeClr val="accent3"/>
-                </a:solidFill>
-              </a:rPr>
-              <a:t>.</a:t>
-            </a:r>
-          </a:p>
-          <a:p>
+              <a:t>Reversing a dictionary is not the same as reversing a list</a:t>
+            </a:r>
+            <a:r>
+              <a:rPr lang="en-US" dirty="0">
+                <a:solidFill>
+                  <a:schemeClr val="accent6"/>
+                </a:solidFill>
+              </a:rPr>
+              <a:t>;</a:t>
+            </a:r>
             <a:r>
               <a:rPr lang="en-US" dirty="0"/>
-              <a:t>A data structure is a logical and coherent organization of data</a:t>
-            </a:r>
-            <a:r>
-              <a:rPr lang="en-US" dirty="0">
-                <a:solidFill>
-                  <a:schemeClr val="accent3"/>
-                </a:solidFill>
-              </a:rPr>
-              <a:t>.</a:t>
+              <a:t> it entails inverting or switching the dictionary</a:t>
+            </a:r>
+            <a:r>
+              <a:rPr lang="en-US" dirty="0">
+                <a:solidFill>
+                  <a:schemeClr val="accent6"/>
+                </a:solidFill>
+              </a:rPr>
+              <a:t>'</a:t>
             </a:r>
             <a:r>
               <a:rPr lang="en-US" dirty="0"/>
-              <a:t> </a:t>
-            </a:r>
-          </a:p>
-          <a:p>
-            <a:r>
-              <a:rPr lang="en-US" dirty="0"/>
-              <a:t>Actually</a:t>
-            </a:r>
-            <a:r>
-              <a:rPr lang="en-US" dirty="0">
-                <a:solidFill>
-                  <a:schemeClr val="accent3"/>
-                </a:solidFill>
-              </a:rPr>
-              <a:t>,</a:t>
-            </a:r>
-            <a:r>
-              <a:rPr lang="en-US" dirty="0"/>
-              <a:t> container objects like lists and dictionaries are already a form of a data structure</a:t>
-            </a:r>
-            <a:r>
-              <a:rPr lang="en-US" dirty="0">
-                <a:solidFill>
-                  <a:schemeClr val="accent3"/>
-                </a:solidFill>
-              </a:rPr>
-              <a:t>.</a:t>
-            </a:r>
-          </a:p>
-          <a:p>
-            <a:r>
-              <a:rPr lang="en-US" dirty="0"/>
-              <a:t>But</a:t>
-            </a:r>
-            <a:r>
-              <a:rPr lang="en-US" dirty="0">
-                <a:solidFill>
-                  <a:schemeClr val="accent3"/>
-                </a:solidFill>
-              </a:rPr>
-              <a:t>,</a:t>
-            </a:r>
-            <a:r>
-              <a:rPr lang="en-US" dirty="0"/>
-              <a:t> nesting such containers provides a programmer with much more flexibility in the way that the data can be organized</a:t>
+              <a:t>s key and value parts</a:t>
             </a:r>
             <a:r>
               <a:rPr lang="en-US" dirty="0">
@@ -3368,10 +3310,272 @@
       </p:sp>
       <p:sp>
         <p:nvSpPr>
-          <p:cNvPr id="14" name="Rectangle: Rounded Corners 13">
+          <p:cNvPr id="4" name="TextBox 3">
             <a:extLst>
               <a:ext uri="{FF2B5EF4-FFF2-40B4-BE49-F238E27FC236}">
-                <a16:creationId xmlns:a16="http://schemas.microsoft.com/office/drawing/2014/main" id="{3D9742AC-7725-4D27-A3FA-9EBEF1276E01}"/>
+                <a16:creationId xmlns:a16="http://schemas.microsoft.com/office/drawing/2014/main" id="{9608865C-9D3B-22F5-CA35-01C11BFBF99D}"/>
+              </a:ext>
+            </a:extLst>
+          </p:cNvPr>
+          <p:cNvSpPr txBox="1"/>
+          <p:nvPr/>
+        </p:nvSpPr>
+        <p:spPr>
+          <a:xfrm>
+            <a:off x="334706" y="4160517"/>
+            <a:ext cx="7181072" cy="1200329"/>
+          </a:xfrm>
+          <a:prstGeom prst="rect">
+            <a:avLst/>
+          </a:prstGeom>
+          <a:noFill/>
+        </p:spPr>
+        <p:txBody>
+          <a:bodyPr wrap="square" rtlCol="0">
+            <a:spAutoFit/>
+          </a:bodyPr>
+          <a:lstStyle/>
+          <a:p>
+            <a:r>
+              <a:rPr lang="en-US" sz="2400" b="1" dirty="0">
+                <a:solidFill>
+                  <a:srgbClr val="00FF00"/>
+                </a:solidFill>
+                <a:latin typeface="Courier New" panose="02070309020205020404" pitchFamily="49" charset="0"/>
+                <a:cs typeface="Courier New" panose="02070309020205020404" pitchFamily="49" charset="0"/>
+              </a:rPr>
+              <a:t>eng2spa = </a:t>
+            </a:r>
+            <a:r>
+              <a:rPr lang="en-US" sz="2400" b="1" dirty="0">
+                <a:solidFill>
+                  <a:schemeClr val="accent6"/>
+                </a:solidFill>
+                <a:latin typeface="Courier New" panose="02070309020205020404" pitchFamily="49" charset="0"/>
+                <a:cs typeface="Courier New" panose="02070309020205020404" pitchFamily="49" charset="0"/>
+              </a:rPr>
+              <a:t>{</a:t>
+            </a:r>
+            <a:r>
+              <a:rPr lang="en-US" sz="2400" b="1" dirty="0">
+                <a:solidFill>
+                  <a:srgbClr val="E00BE5"/>
+                </a:solidFill>
+                <a:latin typeface="Courier New" panose="02070309020205020404" pitchFamily="49" charset="0"/>
+                <a:cs typeface="Courier New" panose="02070309020205020404" pitchFamily="49" charset="0"/>
+              </a:rPr>
+              <a:t>"two"</a:t>
+            </a:r>
+            <a:r>
+              <a:rPr lang="en-US" sz="2400" b="1" dirty="0">
+                <a:solidFill>
+                  <a:schemeClr val="accent6"/>
+                </a:solidFill>
+                <a:latin typeface="Courier New" panose="02070309020205020404" pitchFamily="49" charset="0"/>
+                <a:cs typeface="Courier New" panose="02070309020205020404" pitchFamily="49" charset="0"/>
+              </a:rPr>
+              <a:t>:</a:t>
+            </a:r>
+            <a:r>
+              <a:rPr lang="en-US" sz="2400" b="1" dirty="0">
+                <a:solidFill>
+                  <a:srgbClr val="00FF00"/>
+                </a:solidFill>
+                <a:latin typeface="Courier New" panose="02070309020205020404" pitchFamily="49" charset="0"/>
+                <a:cs typeface="Courier New" panose="02070309020205020404" pitchFamily="49" charset="0"/>
+              </a:rPr>
+              <a:t> "dos"</a:t>
+            </a:r>
+            <a:r>
+              <a:rPr lang="en-US" sz="2400" b="1" dirty="0">
+                <a:solidFill>
+                  <a:schemeClr val="accent6"/>
+                </a:solidFill>
+                <a:latin typeface="Courier New" panose="02070309020205020404" pitchFamily="49" charset="0"/>
+                <a:cs typeface="Courier New" panose="02070309020205020404" pitchFamily="49" charset="0"/>
+              </a:rPr>
+              <a:t>,</a:t>
+            </a:r>
+            <a:r>
+              <a:rPr lang="en-US" sz="2400" b="1" dirty="0">
+                <a:solidFill>
+                  <a:srgbClr val="00FF00"/>
+                </a:solidFill>
+                <a:latin typeface="Courier New" panose="02070309020205020404" pitchFamily="49" charset="0"/>
+                <a:cs typeface="Courier New" panose="02070309020205020404" pitchFamily="49" charset="0"/>
+              </a:rPr>
+              <a:t> </a:t>
+            </a:r>
+            <a:r>
+              <a:rPr lang="en-US" sz="2400" b="1" dirty="0">
+                <a:solidFill>
+                  <a:srgbClr val="E00BE5"/>
+                </a:solidFill>
+                <a:latin typeface="Courier New" panose="02070309020205020404" pitchFamily="49" charset="0"/>
+                <a:cs typeface="Courier New" panose="02070309020205020404" pitchFamily="49" charset="0"/>
+              </a:rPr>
+              <a:t>"one"</a:t>
+            </a:r>
+            <a:r>
+              <a:rPr lang="en-US" sz="2400" b="1" dirty="0">
+                <a:solidFill>
+                  <a:schemeClr val="accent6"/>
+                </a:solidFill>
+                <a:latin typeface="Courier New" panose="02070309020205020404" pitchFamily="49" charset="0"/>
+                <a:cs typeface="Courier New" panose="02070309020205020404" pitchFamily="49" charset="0"/>
+              </a:rPr>
+              <a:t>:</a:t>
+            </a:r>
+            <a:r>
+              <a:rPr lang="en-US" sz="2400" b="1" dirty="0">
+                <a:solidFill>
+                  <a:srgbClr val="00FF00"/>
+                </a:solidFill>
+                <a:latin typeface="Courier New" panose="02070309020205020404" pitchFamily="49" charset="0"/>
+                <a:cs typeface="Courier New" panose="02070309020205020404" pitchFamily="49" charset="0"/>
+              </a:rPr>
+              <a:t> "uno"</a:t>
+            </a:r>
+            <a:r>
+              <a:rPr lang="en-US" sz="2400" b="1" dirty="0">
+                <a:solidFill>
+                  <a:schemeClr val="accent6"/>
+                </a:solidFill>
+                <a:latin typeface="Courier New" panose="02070309020205020404" pitchFamily="49" charset="0"/>
+                <a:cs typeface="Courier New" panose="02070309020205020404" pitchFamily="49" charset="0"/>
+              </a:rPr>
+              <a:t>}</a:t>
+            </a:r>
+          </a:p>
+          <a:p>
+            <a:endParaRPr lang="en-US" sz="2400" b="1" dirty="0">
+              <a:solidFill>
+                <a:srgbClr val="00FF00"/>
+              </a:solidFill>
+              <a:latin typeface="Courier New" panose="02070309020205020404" pitchFamily="49" charset="0"/>
+              <a:cs typeface="Courier New" panose="02070309020205020404" pitchFamily="49" charset="0"/>
+            </a:endParaRPr>
+          </a:p>
+          <a:p>
+            <a:r>
+              <a:rPr lang="en-US" sz="2400" b="1" dirty="0">
+                <a:solidFill>
+                  <a:srgbClr val="00FF00"/>
+                </a:solidFill>
+                <a:latin typeface="Courier New" panose="02070309020205020404" pitchFamily="49" charset="0"/>
+                <a:cs typeface="Courier New" panose="02070309020205020404" pitchFamily="49" charset="0"/>
+              </a:rPr>
+              <a:t>spa2eng = </a:t>
+            </a:r>
+            <a:r>
+              <a:rPr lang="en-US" sz="2400" b="1" dirty="0">
+                <a:solidFill>
+                  <a:schemeClr val="accent6"/>
+                </a:solidFill>
+                <a:latin typeface="Courier New" panose="02070309020205020404" pitchFamily="49" charset="0"/>
+                <a:cs typeface="Courier New" panose="02070309020205020404" pitchFamily="49" charset="0"/>
+              </a:rPr>
+              <a:t>{</a:t>
+            </a:r>
+            <a:r>
+              <a:rPr lang="en-US" sz="2400" b="1" dirty="0">
+                <a:solidFill>
+                  <a:srgbClr val="E00BE5"/>
+                </a:solidFill>
+                <a:latin typeface="Courier New" panose="02070309020205020404" pitchFamily="49" charset="0"/>
+                <a:cs typeface="Courier New" panose="02070309020205020404" pitchFamily="49" charset="0"/>
+              </a:rPr>
+              <a:t>"dos"</a:t>
+            </a:r>
+            <a:r>
+              <a:rPr lang="en-US" sz="2400" b="1" dirty="0">
+                <a:solidFill>
+                  <a:schemeClr val="accent6"/>
+                </a:solidFill>
+                <a:latin typeface="Courier New" panose="02070309020205020404" pitchFamily="49" charset="0"/>
+                <a:cs typeface="Courier New" panose="02070309020205020404" pitchFamily="49" charset="0"/>
+              </a:rPr>
+              <a:t>:</a:t>
+            </a:r>
+            <a:r>
+              <a:rPr lang="en-US" sz="2400" b="1" dirty="0">
+                <a:solidFill>
+                  <a:srgbClr val="00FF00"/>
+                </a:solidFill>
+                <a:latin typeface="Courier New" panose="02070309020205020404" pitchFamily="49" charset="0"/>
+                <a:cs typeface="Courier New" panose="02070309020205020404" pitchFamily="49" charset="0"/>
+              </a:rPr>
+              <a:t> "two"</a:t>
+            </a:r>
+            <a:r>
+              <a:rPr lang="en-US" sz="2400" b="1" dirty="0">
+                <a:solidFill>
+                  <a:schemeClr val="accent6"/>
+                </a:solidFill>
+                <a:latin typeface="Courier New" panose="02070309020205020404" pitchFamily="49" charset="0"/>
+                <a:cs typeface="Courier New" panose="02070309020205020404" pitchFamily="49" charset="0"/>
+              </a:rPr>
+              <a:t>,</a:t>
+            </a:r>
+            <a:r>
+              <a:rPr lang="en-US" sz="2400" b="1" dirty="0">
+                <a:solidFill>
+                  <a:srgbClr val="00FF00"/>
+                </a:solidFill>
+                <a:latin typeface="Courier New" panose="02070309020205020404" pitchFamily="49" charset="0"/>
+                <a:cs typeface="Courier New" panose="02070309020205020404" pitchFamily="49" charset="0"/>
+              </a:rPr>
+              <a:t> </a:t>
+            </a:r>
+            <a:r>
+              <a:rPr lang="en-US" sz="2400" b="1" dirty="0">
+                <a:solidFill>
+                  <a:srgbClr val="E00BE5"/>
+                </a:solidFill>
+                <a:latin typeface="Courier New" panose="02070309020205020404" pitchFamily="49" charset="0"/>
+                <a:cs typeface="Courier New" panose="02070309020205020404" pitchFamily="49" charset="0"/>
+              </a:rPr>
+              <a:t>"uno"</a:t>
+            </a:r>
+            <a:r>
+              <a:rPr lang="en-US" sz="2400" b="1" dirty="0">
+                <a:solidFill>
+                  <a:schemeClr val="accent6"/>
+                </a:solidFill>
+                <a:latin typeface="Courier New" panose="02070309020205020404" pitchFamily="49" charset="0"/>
+                <a:cs typeface="Courier New" panose="02070309020205020404" pitchFamily="49" charset="0"/>
+              </a:rPr>
+              <a:t>:</a:t>
+            </a:r>
+            <a:r>
+              <a:rPr lang="en-US" sz="2400" b="1" dirty="0">
+                <a:solidFill>
+                  <a:srgbClr val="00FF00"/>
+                </a:solidFill>
+                <a:latin typeface="Courier New" panose="02070309020205020404" pitchFamily="49" charset="0"/>
+                <a:cs typeface="Courier New" panose="02070309020205020404" pitchFamily="49" charset="0"/>
+              </a:rPr>
+              <a:t> "one"</a:t>
+            </a:r>
+            <a:r>
+              <a:rPr lang="en-US" sz="2400" b="1" dirty="0">
+                <a:solidFill>
+                  <a:schemeClr val="accent6"/>
+                </a:solidFill>
+                <a:latin typeface="Courier New" panose="02070309020205020404" pitchFamily="49" charset="0"/>
+                <a:cs typeface="Courier New" panose="02070309020205020404" pitchFamily="49" charset="0"/>
+              </a:rPr>
+              <a:t>}</a:t>
+            </a:r>
+          </a:p>
+        </p:txBody>
+      </p:sp>
+      <p:sp>
+        <p:nvSpPr>
+          <p:cNvPr id="5" name="Rectangle: Rounded Corners 4">
+            <a:extLst>
+              <a:ext uri="{FF2B5EF4-FFF2-40B4-BE49-F238E27FC236}">
+                <a16:creationId xmlns:a16="http://schemas.microsoft.com/office/drawing/2014/main" id="{EF0454F5-5677-B1BA-99D9-39C942DDB959}"/>
               </a:ext>
             </a:extLst>
           </p:cNvPr>
@@ -3470,7 +3674,7 @@
     </p:spTree>
     <p:extLst>
       <p:ext uri="{BB962C8B-B14F-4D97-AF65-F5344CB8AC3E}">
-        <p14:creationId xmlns:p14="http://schemas.microsoft.com/office/powerpoint/2010/main" val="2685583888"/>
+        <p14:creationId xmlns:p14="http://schemas.microsoft.com/office/powerpoint/2010/main" val="2315940296"/>
       </p:ext>
     </p:extLst>
   </p:cSld>
@@ -3522,7 +3726,19 @@
           <a:p>
             <a:r>
               <a:rPr lang="en-US" b="1" dirty="0"/>
-              <a:t>Inverting Dictionaries</a:t>
+              <a:t>Dictionaries </a:t>
+            </a:r>
+            <a:r>
+              <a:rPr lang="en-US" b="1" dirty="0">
+                <a:solidFill>
+                  <a:schemeClr val="accent3"/>
+                </a:solidFill>
+              </a:rPr>
+              <a:t>as</a:t>
+            </a:r>
+            <a:r>
+              <a:rPr lang="en-US" b="1" dirty="0"/>
+              <a:t> Data Structures</a:t>
             </a:r>
           </a:p>
         </p:txBody>
@@ -3557,31 +3773,77 @@
           <a:p>
             <a:r>
               <a:rPr lang="en-US" dirty="0"/>
-              <a:t>Reversing a dictionary is not the same as reversing a list</a:t>
-            </a:r>
-            <a:r>
-              <a:rPr lang="en-US" dirty="0">
-                <a:solidFill>
-                  <a:schemeClr val="accent6"/>
-                </a:solidFill>
-              </a:rPr>
-              <a:t>;</a:t>
-            </a:r>
+              <a:t>Nested dictionaries also serve as a simple but powerful data structure</a:t>
+            </a:r>
+            <a:r>
+              <a:rPr lang="en-US" dirty="0">
+                <a:solidFill>
+                  <a:schemeClr val="accent3"/>
+                </a:solidFill>
+              </a:rPr>
+              <a:t>.</a:t>
+            </a:r>
+          </a:p>
+          <a:p>
             <a:r>
               <a:rPr lang="en-US" dirty="0"/>
-              <a:t> it entails inverting or switching the dictionary</a:t>
-            </a:r>
-            <a:r>
-              <a:rPr lang="en-US" dirty="0">
-                <a:solidFill>
-                  <a:schemeClr val="accent6"/>
-                </a:solidFill>
-              </a:rPr>
-              <a:t>'</a:t>
+              <a:t>A data structure is a logical and coherent organization of data</a:t>
+            </a:r>
+            <a:r>
+              <a:rPr lang="en-US" dirty="0">
+                <a:solidFill>
+                  <a:schemeClr val="accent3"/>
+                </a:solidFill>
+              </a:rPr>
+              <a:t>.</a:t>
             </a:r>
             <a:r>
               <a:rPr lang="en-US" dirty="0"/>
-              <a:t>s key and value parts</a:t>
+              <a:t> </a:t>
+            </a:r>
+          </a:p>
+          <a:p>
+            <a:r>
+              <a:rPr lang="en-US" dirty="0"/>
+              <a:t>Actually</a:t>
+            </a:r>
+            <a:r>
+              <a:rPr lang="en-US" dirty="0">
+                <a:solidFill>
+                  <a:schemeClr val="accent3"/>
+                </a:solidFill>
+              </a:rPr>
+              <a:t>,</a:t>
+            </a:r>
+            <a:r>
+              <a:rPr lang="en-US" dirty="0"/>
+              <a:t> container objects like lists and dictionaries are already a form of a data structure</a:t>
+            </a:r>
+            <a:r>
+              <a:rPr lang="en-US" dirty="0">
+                <a:solidFill>
+                  <a:schemeClr val="accent3"/>
+                </a:solidFill>
+              </a:rPr>
+              <a:t>.</a:t>
+            </a:r>
+          </a:p>
+          <a:p>
+            <a:r>
+              <a:rPr lang="en-US" dirty="0"/>
+              <a:t>But</a:t>
+            </a:r>
+            <a:r>
+              <a:rPr lang="en-US" dirty="0">
+                <a:solidFill>
+                  <a:schemeClr val="accent3"/>
+                </a:solidFill>
+              </a:rPr>
+              <a:t>,</a:t>
+            </a:r>
+            <a:r>
+              <a:rPr lang="en-US" dirty="0"/>
+              <a:t> nesting such containers provides a programmer with much more flexibility in the way that the data can be organized</a:t>
             </a:r>
             <a:r>
               <a:rPr lang="en-US" dirty="0">
@@ -3603,10 +3865,10 @@
       </p:sp>
       <p:sp>
         <p:nvSpPr>
-          <p:cNvPr id="14" name="Rectangle: Rounded Corners 13">
+          <p:cNvPr id="4" name="Rectangle: Rounded Corners 3">
             <a:extLst>
               <a:ext uri="{FF2B5EF4-FFF2-40B4-BE49-F238E27FC236}">
-                <a16:creationId xmlns:a16="http://schemas.microsoft.com/office/drawing/2014/main" id="{3D9742AC-7725-4D27-A3FA-9EBEF1276E01}"/>
+                <a16:creationId xmlns:a16="http://schemas.microsoft.com/office/drawing/2014/main" id="{EF369D54-A376-4CD4-CCAB-8FEFA900509F}"/>
               </a:ext>
             </a:extLst>
           </p:cNvPr>
@@ -3702,272 +3964,10 @@
           </a:p>
         </p:txBody>
       </p:sp>
-      <p:sp>
-        <p:nvSpPr>
-          <p:cNvPr id="4" name="TextBox 3">
-            <a:extLst>
-              <a:ext uri="{FF2B5EF4-FFF2-40B4-BE49-F238E27FC236}">
-                <a16:creationId xmlns:a16="http://schemas.microsoft.com/office/drawing/2014/main" id="{9608865C-9D3B-22F5-CA35-01C11BFBF99D}"/>
-              </a:ext>
-            </a:extLst>
-          </p:cNvPr>
-          <p:cNvSpPr txBox="1"/>
-          <p:nvPr/>
-        </p:nvSpPr>
-        <p:spPr>
-          <a:xfrm>
-            <a:off x="334706" y="4160517"/>
-            <a:ext cx="7181072" cy="1200329"/>
-          </a:xfrm>
-          <a:prstGeom prst="rect">
-            <a:avLst/>
-          </a:prstGeom>
-          <a:noFill/>
-        </p:spPr>
-        <p:txBody>
-          <a:bodyPr wrap="square" rtlCol="0">
-            <a:spAutoFit/>
-          </a:bodyPr>
-          <a:lstStyle/>
-          <a:p>
-            <a:r>
-              <a:rPr lang="en-US" sz="2400" b="1" dirty="0">
-                <a:solidFill>
-                  <a:srgbClr val="00FF00"/>
-                </a:solidFill>
-                <a:latin typeface="Courier New" panose="02070309020205020404" pitchFamily="49" charset="0"/>
-                <a:cs typeface="Courier New" panose="02070309020205020404" pitchFamily="49" charset="0"/>
-              </a:rPr>
-              <a:t>eng2spa = </a:t>
-            </a:r>
-            <a:r>
-              <a:rPr lang="en-US" sz="2400" b="1" dirty="0">
-                <a:solidFill>
-                  <a:schemeClr val="accent6"/>
-                </a:solidFill>
-                <a:latin typeface="Courier New" panose="02070309020205020404" pitchFamily="49" charset="0"/>
-                <a:cs typeface="Courier New" panose="02070309020205020404" pitchFamily="49" charset="0"/>
-              </a:rPr>
-              <a:t>{</a:t>
-            </a:r>
-            <a:r>
-              <a:rPr lang="en-US" sz="2400" b="1" dirty="0">
-                <a:solidFill>
-                  <a:srgbClr val="E00BE5"/>
-                </a:solidFill>
-                <a:latin typeface="Courier New" panose="02070309020205020404" pitchFamily="49" charset="0"/>
-                <a:cs typeface="Courier New" panose="02070309020205020404" pitchFamily="49" charset="0"/>
-              </a:rPr>
-              <a:t>"two"</a:t>
-            </a:r>
-            <a:r>
-              <a:rPr lang="en-US" sz="2400" b="1" dirty="0">
-                <a:solidFill>
-                  <a:schemeClr val="accent6"/>
-                </a:solidFill>
-                <a:latin typeface="Courier New" panose="02070309020205020404" pitchFamily="49" charset="0"/>
-                <a:cs typeface="Courier New" panose="02070309020205020404" pitchFamily="49" charset="0"/>
-              </a:rPr>
-              <a:t>:</a:t>
-            </a:r>
-            <a:r>
-              <a:rPr lang="en-US" sz="2400" b="1" dirty="0">
-                <a:solidFill>
-                  <a:srgbClr val="00FF00"/>
-                </a:solidFill>
-                <a:latin typeface="Courier New" panose="02070309020205020404" pitchFamily="49" charset="0"/>
-                <a:cs typeface="Courier New" panose="02070309020205020404" pitchFamily="49" charset="0"/>
-              </a:rPr>
-              <a:t> "dos"</a:t>
-            </a:r>
-            <a:r>
-              <a:rPr lang="en-US" sz="2400" b="1" dirty="0">
-                <a:solidFill>
-                  <a:schemeClr val="accent6"/>
-                </a:solidFill>
-                <a:latin typeface="Courier New" panose="02070309020205020404" pitchFamily="49" charset="0"/>
-                <a:cs typeface="Courier New" panose="02070309020205020404" pitchFamily="49" charset="0"/>
-              </a:rPr>
-              <a:t>,</a:t>
-            </a:r>
-            <a:r>
-              <a:rPr lang="en-US" sz="2400" b="1" dirty="0">
-                <a:solidFill>
-                  <a:srgbClr val="00FF00"/>
-                </a:solidFill>
-                <a:latin typeface="Courier New" panose="02070309020205020404" pitchFamily="49" charset="0"/>
-                <a:cs typeface="Courier New" panose="02070309020205020404" pitchFamily="49" charset="0"/>
-              </a:rPr>
-              <a:t> </a:t>
-            </a:r>
-            <a:r>
-              <a:rPr lang="en-US" sz="2400" b="1" dirty="0">
-                <a:solidFill>
-                  <a:srgbClr val="E00BE5"/>
-                </a:solidFill>
-                <a:latin typeface="Courier New" panose="02070309020205020404" pitchFamily="49" charset="0"/>
-                <a:cs typeface="Courier New" panose="02070309020205020404" pitchFamily="49" charset="0"/>
-              </a:rPr>
-              <a:t>"one"</a:t>
-            </a:r>
-            <a:r>
-              <a:rPr lang="en-US" sz="2400" b="1" dirty="0">
-                <a:solidFill>
-                  <a:schemeClr val="accent6"/>
-                </a:solidFill>
-                <a:latin typeface="Courier New" panose="02070309020205020404" pitchFamily="49" charset="0"/>
-                <a:cs typeface="Courier New" panose="02070309020205020404" pitchFamily="49" charset="0"/>
-              </a:rPr>
-              <a:t>:</a:t>
-            </a:r>
-            <a:r>
-              <a:rPr lang="en-US" sz="2400" b="1" dirty="0">
-                <a:solidFill>
-                  <a:srgbClr val="00FF00"/>
-                </a:solidFill>
-                <a:latin typeface="Courier New" panose="02070309020205020404" pitchFamily="49" charset="0"/>
-                <a:cs typeface="Courier New" panose="02070309020205020404" pitchFamily="49" charset="0"/>
-              </a:rPr>
-              <a:t> "uno"</a:t>
-            </a:r>
-            <a:r>
-              <a:rPr lang="en-US" sz="2400" b="1" dirty="0">
-                <a:solidFill>
-                  <a:schemeClr val="accent6"/>
-                </a:solidFill>
-                <a:latin typeface="Courier New" panose="02070309020205020404" pitchFamily="49" charset="0"/>
-                <a:cs typeface="Courier New" panose="02070309020205020404" pitchFamily="49" charset="0"/>
-              </a:rPr>
-              <a:t>}</a:t>
-            </a:r>
-          </a:p>
-          <a:p>
-            <a:endParaRPr lang="en-US" sz="2400" b="1" dirty="0">
-              <a:solidFill>
-                <a:srgbClr val="00FF00"/>
-              </a:solidFill>
-              <a:latin typeface="Courier New" panose="02070309020205020404" pitchFamily="49" charset="0"/>
-              <a:cs typeface="Courier New" panose="02070309020205020404" pitchFamily="49" charset="0"/>
-            </a:endParaRPr>
-          </a:p>
-          <a:p>
-            <a:r>
-              <a:rPr lang="en-US" sz="2400" b="1" dirty="0">
-                <a:solidFill>
-                  <a:srgbClr val="00FF00"/>
-                </a:solidFill>
-                <a:latin typeface="Courier New" panose="02070309020205020404" pitchFamily="49" charset="0"/>
-                <a:cs typeface="Courier New" panose="02070309020205020404" pitchFamily="49" charset="0"/>
-              </a:rPr>
-              <a:t>spa2eng = </a:t>
-            </a:r>
-            <a:r>
-              <a:rPr lang="en-US" sz="2400" b="1" dirty="0">
-                <a:solidFill>
-                  <a:schemeClr val="accent6"/>
-                </a:solidFill>
-                <a:latin typeface="Courier New" panose="02070309020205020404" pitchFamily="49" charset="0"/>
-                <a:cs typeface="Courier New" panose="02070309020205020404" pitchFamily="49" charset="0"/>
-              </a:rPr>
-              <a:t>{</a:t>
-            </a:r>
-            <a:r>
-              <a:rPr lang="en-US" sz="2400" b="1" dirty="0">
-                <a:solidFill>
-                  <a:srgbClr val="E00BE5"/>
-                </a:solidFill>
-                <a:latin typeface="Courier New" panose="02070309020205020404" pitchFamily="49" charset="0"/>
-                <a:cs typeface="Courier New" panose="02070309020205020404" pitchFamily="49" charset="0"/>
-              </a:rPr>
-              <a:t>"dos"</a:t>
-            </a:r>
-            <a:r>
-              <a:rPr lang="en-US" sz="2400" b="1" dirty="0">
-                <a:solidFill>
-                  <a:schemeClr val="accent6"/>
-                </a:solidFill>
-                <a:latin typeface="Courier New" panose="02070309020205020404" pitchFamily="49" charset="0"/>
-                <a:cs typeface="Courier New" panose="02070309020205020404" pitchFamily="49" charset="0"/>
-              </a:rPr>
-              <a:t>:</a:t>
-            </a:r>
-            <a:r>
-              <a:rPr lang="en-US" sz="2400" b="1" dirty="0">
-                <a:solidFill>
-                  <a:srgbClr val="00FF00"/>
-                </a:solidFill>
-                <a:latin typeface="Courier New" panose="02070309020205020404" pitchFamily="49" charset="0"/>
-                <a:cs typeface="Courier New" panose="02070309020205020404" pitchFamily="49" charset="0"/>
-              </a:rPr>
-              <a:t> "two"</a:t>
-            </a:r>
-            <a:r>
-              <a:rPr lang="en-US" sz="2400" b="1" dirty="0">
-                <a:solidFill>
-                  <a:schemeClr val="accent6"/>
-                </a:solidFill>
-                <a:latin typeface="Courier New" panose="02070309020205020404" pitchFamily="49" charset="0"/>
-                <a:cs typeface="Courier New" panose="02070309020205020404" pitchFamily="49" charset="0"/>
-              </a:rPr>
-              <a:t>,</a:t>
-            </a:r>
-            <a:r>
-              <a:rPr lang="en-US" sz="2400" b="1" dirty="0">
-                <a:solidFill>
-                  <a:srgbClr val="00FF00"/>
-                </a:solidFill>
-                <a:latin typeface="Courier New" panose="02070309020205020404" pitchFamily="49" charset="0"/>
-                <a:cs typeface="Courier New" panose="02070309020205020404" pitchFamily="49" charset="0"/>
-              </a:rPr>
-              <a:t> </a:t>
-            </a:r>
-            <a:r>
-              <a:rPr lang="en-US" sz="2400" b="1" dirty="0">
-                <a:solidFill>
-                  <a:srgbClr val="E00BE5"/>
-                </a:solidFill>
-                <a:latin typeface="Courier New" panose="02070309020205020404" pitchFamily="49" charset="0"/>
-                <a:cs typeface="Courier New" panose="02070309020205020404" pitchFamily="49" charset="0"/>
-              </a:rPr>
-              <a:t>"uno"</a:t>
-            </a:r>
-            <a:r>
-              <a:rPr lang="en-US" sz="2400" b="1" dirty="0">
-                <a:solidFill>
-                  <a:schemeClr val="accent6"/>
-                </a:solidFill>
-                <a:latin typeface="Courier New" panose="02070309020205020404" pitchFamily="49" charset="0"/>
-                <a:cs typeface="Courier New" panose="02070309020205020404" pitchFamily="49" charset="0"/>
-              </a:rPr>
-              <a:t>:</a:t>
-            </a:r>
-            <a:r>
-              <a:rPr lang="en-US" sz="2400" b="1" dirty="0">
-                <a:solidFill>
-                  <a:srgbClr val="00FF00"/>
-                </a:solidFill>
-                <a:latin typeface="Courier New" panose="02070309020205020404" pitchFamily="49" charset="0"/>
-                <a:cs typeface="Courier New" panose="02070309020205020404" pitchFamily="49" charset="0"/>
-              </a:rPr>
-              <a:t> "one"</a:t>
-            </a:r>
-            <a:r>
-              <a:rPr lang="en-US" sz="2400" b="1" dirty="0">
-                <a:solidFill>
-                  <a:schemeClr val="accent6"/>
-                </a:solidFill>
-                <a:latin typeface="Courier New" panose="02070309020205020404" pitchFamily="49" charset="0"/>
-                <a:cs typeface="Courier New" panose="02070309020205020404" pitchFamily="49" charset="0"/>
-              </a:rPr>
-              <a:t>}</a:t>
-            </a:r>
-          </a:p>
-        </p:txBody>
-      </p:sp>
     </p:spTree>
     <p:extLst>
       <p:ext uri="{BB962C8B-B14F-4D97-AF65-F5344CB8AC3E}">
-        <p14:creationId xmlns:p14="http://schemas.microsoft.com/office/powerpoint/2010/main" val="2315940296"/>
+        <p14:creationId xmlns:p14="http://schemas.microsoft.com/office/powerpoint/2010/main" val="2685583888"/>
       </p:ext>
     </p:extLst>
   </p:cSld>
